--- a/301_FinalStoryboard3.pptx
+++ b/301_FinalStoryboard3.pptx
@@ -31899,7 +31899,7 @@
         <p:spPr>
           <a:xfrm>
             <a:off x="7065192" y="5173940"/>
-            <a:ext cx="1593055" cy="358141"/>
+            <a:ext cx="1155761" cy="369332"/>
           </a:xfrm>
           <a:prstGeom prst="rect">
             <a:avLst/>
@@ -31921,8 +31921,13 @@
           <a:p>
             <a:pPr lvl="0"/>
             <a:r>
-              <a:t>Not favourited</a:t>
+              <a:t>Not </a:t>
             </a:r>
+            <a:r>
+              <a:rPr lang="en-CA"/>
+              <a:t>cached</a:t>
+            </a:r>
+            <a:endParaRPr/>
           </a:p>
         </p:txBody>
       </p:sp>
@@ -31935,7 +31940,7 @@
         <p:spPr>
           <a:xfrm>
             <a:off x="7096882" y="5656351"/>
-            <a:ext cx="981847" cy="646331"/>
+            <a:ext cx="780996" cy="923330"/>
           </a:xfrm>
           <a:prstGeom prst="rect">
             <a:avLst/>
@@ -31958,8 +31963,12 @@
             <a:pPr lvl="0"/>
             <a:r>
               <a:rPr lang="en-CA"/>
-              <a:t>Favorited</a:t>
+              <a:t>Cached</a:t>
             </a:r>
+          </a:p>
+          <a:p>
+            <a:pPr lvl="0"/>
+            <a:endParaRPr lang="en-CA"/>
           </a:p>
           <a:p>
             <a:pPr lvl="0"/>
